--- a/documents/sprint1/sprint-planning/Stock Tracker Design(with test explanation)- updated.pptx
+++ b/documents/sprint1/sprint-planning/Stock Tracker Design(with test explanation)- updated.pptx
@@ -10,9 +10,11 @@
     <p:sldId id="259" r:id="rId4"/>
     <p:sldId id="257" r:id="rId5"/>
     <p:sldId id="258" r:id="rId6"/>
+    <p:sldId id="262" r:id="rId7"/>
+    <p:sldId id="263" r:id="rId8"/>
   </p:sldIdLst>
   <p:sldSz cx="9144000" cy="6858000" type="screen4x3"/>
-  <p:notesSz cx="6858000" cy="9144000"/>
+  <p:notesSz cx="6797675" cy="9872663"/>
   <p:defaultTextStyle>
     <a:defPPr>
       <a:defRPr lang="en-US"/>
@@ -293,7 +295,7 @@
             <a:fld id="{9B6738BD-9D67-424C-A095-1E992F6EB2E3}" type="datetimeFigureOut">
               <a:rPr lang="en-GB" smtClean="0"/>
               <a:pPr/>
-              <a:t>12/10/2012</a:t>
+              <a:t>09/11/2012</a:t>
             </a:fld>
             <a:endParaRPr lang="en-GB"/>
           </a:p>
@@ -465,7 +467,7 @@
             <a:fld id="{9B6738BD-9D67-424C-A095-1E992F6EB2E3}" type="datetimeFigureOut">
               <a:rPr lang="en-GB" smtClean="0"/>
               <a:pPr/>
-              <a:t>12/10/2012</a:t>
+              <a:t>09/11/2012</a:t>
             </a:fld>
             <a:endParaRPr lang="en-GB"/>
           </a:p>
@@ -647,7 +649,7 @@
             <a:fld id="{9B6738BD-9D67-424C-A095-1E992F6EB2E3}" type="datetimeFigureOut">
               <a:rPr lang="en-GB" smtClean="0"/>
               <a:pPr/>
-              <a:t>12/10/2012</a:t>
+              <a:t>09/11/2012</a:t>
             </a:fld>
             <a:endParaRPr lang="en-GB"/>
           </a:p>
@@ -819,7 +821,7 @@
             <a:fld id="{9B6738BD-9D67-424C-A095-1E992F6EB2E3}" type="datetimeFigureOut">
               <a:rPr lang="en-GB" smtClean="0"/>
               <a:pPr/>
-              <a:t>12/10/2012</a:t>
+              <a:t>09/11/2012</a:t>
             </a:fld>
             <a:endParaRPr lang="en-GB"/>
           </a:p>
@@ -1067,7 +1069,7 @@
             <a:fld id="{9B6738BD-9D67-424C-A095-1E992F6EB2E3}" type="datetimeFigureOut">
               <a:rPr lang="en-GB" smtClean="0"/>
               <a:pPr/>
-              <a:t>12/10/2012</a:t>
+              <a:t>09/11/2012</a:t>
             </a:fld>
             <a:endParaRPr lang="en-GB"/>
           </a:p>
@@ -1357,7 +1359,7 @@
             <a:fld id="{9B6738BD-9D67-424C-A095-1E992F6EB2E3}" type="datetimeFigureOut">
               <a:rPr lang="en-GB" smtClean="0"/>
               <a:pPr/>
-              <a:t>12/10/2012</a:t>
+              <a:t>09/11/2012</a:t>
             </a:fld>
             <a:endParaRPr lang="en-GB"/>
           </a:p>
@@ -1781,7 +1783,7 @@
             <a:fld id="{9B6738BD-9D67-424C-A095-1E992F6EB2E3}" type="datetimeFigureOut">
               <a:rPr lang="en-GB" smtClean="0"/>
               <a:pPr/>
-              <a:t>12/10/2012</a:t>
+              <a:t>09/11/2012</a:t>
             </a:fld>
             <a:endParaRPr lang="en-GB"/>
           </a:p>
@@ -1901,7 +1903,7 @@
             <a:fld id="{9B6738BD-9D67-424C-A095-1E992F6EB2E3}" type="datetimeFigureOut">
               <a:rPr lang="en-GB" smtClean="0"/>
               <a:pPr/>
-              <a:t>12/10/2012</a:t>
+              <a:t>09/11/2012</a:t>
             </a:fld>
             <a:endParaRPr lang="en-GB"/>
           </a:p>
@@ -1998,7 +2000,7 @@
             <a:fld id="{9B6738BD-9D67-424C-A095-1E992F6EB2E3}" type="datetimeFigureOut">
               <a:rPr lang="en-GB" smtClean="0"/>
               <a:pPr/>
-              <a:t>12/10/2012</a:t>
+              <a:t>09/11/2012</a:t>
             </a:fld>
             <a:endParaRPr lang="en-GB"/>
           </a:p>
@@ -2277,7 +2279,7 @@
             <a:fld id="{9B6738BD-9D67-424C-A095-1E992F6EB2E3}" type="datetimeFigureOut">
               <a:rPr lang="en-GB" smtClean="0"/>
               <a:pPr/>
-              <a:t>12/10/2012</a:t>
+              <a:t>09/11/2012</a:t>
             </a:fld>
             <a:endParaRPr lang="en-GB"/>
           </a:p>
@@ -2532,7 +2534,7 @@
             <a:fld id="{9B6738BD-9D67-424C-A095-1E992F6EB2E3}" type="datetimeFigureOut">
               <a:rPr lang="en-GB" smtClean="0"/>
               <a:pPr/>
-              <a:t>12/10/2012</a:t>
+              <a:t>09/11/2012</a:t>
             </a:fld>
             <a:endParaRPr lang="en-GB"/>
           </a:p>
@@ -2747,7 +2749,7 @@
             <a:fld id="{9B6738BD-9D67-424C-A095-1E992F6EB2E3}" type="datetimeFigureOut">
               <a:rPr lang="en-GB" smtClean="0"/>
               <a:pPr/>
-              <a:t>12/10/2012</a:t>
+              <a:t>09/11/2012</a:t>
             </a:fld>
             <a:endParaRPr lang="en-GB"/>
           </a:p>
@@ -3140,7 +3142,11 @@
           <a:p>
             <a:r>
               <a:rPr lang="en-GB" dirty="0" smtClean="0"/>
-              <a:t>Stock Tracker User Interface Prototype</a:t>
+              <a:t>Stock Tracker User </a:t>
+            </a:r>
+            <a:r>
+              <a:rPr lang="en-GB" smtClean="0"/>
+              <a:t>Interface Prototype</a:t>
             </a:r>
             <a:endParaRPr lang="en-GB" dirty="0"/>
           </a:p>
@@ -3175,36 +3181,6 @@
             <a:r>
               <a:rPr lang="en-GB" dirty="0" err="1" smtClean="0"/>
               <a:t>Elppa</a:t>
-            </a:r>
-            <a:endParaRPr lang="en-GB" dirty="0"/>
-          </a:p>
-        </p:txBody>
-      </p:sp>
-      <p:sp>
-        <p:nvSpPr>
-          <p:cNvPr id="4" name="TextBox 3"/>
-          <p:cNvSpPr txBox="1"/>
-          <p:nvPr/>
-        </p:nvSpPr>
-        <p:spPr>
-          <a:xfrm>
-            <a:off x="3836331" y="3689707"/>
-            <a:ext cx="1528367" cy="369332"/>
-          </a:xfrm>
-          <a:prstGeom prst="rect">
-            <a:avLst/>
-          </a:prstGeom>
-          <a:noFill/>
-        </p:spPr>
-        <p:txBody>
-          <a:bodyPr wrap="none" rtlCol="0">
-            <a:spAutoFit/>
-          </a:bodyPr>
-          <a:lstStyle/>
-          <a:p>
-            <a:r>
-              <a:rPr lang="en-GB" dirty="0" smtClean="0"/>
-              <a:t>Edit: Version 1</a:t>
             </a:r>
             <a:endParaRPr lang="en-GB" dirty="0"/>
           </a:p>
@@ -5181,7 +5157,7 @@
           <a:p>
             <a:r>
               <a:rPr lang="en-GB" dirty="0" smtClean="0"/>
-              <a:t>Price: 455	Value GBP</a:t>
+              <a:t>Price: 455	Value</a:t>
             </a:r>
             <a:endParaRPr lang="en-GB" dirty="0"/>
           </a:p>
@@ -5379,7 +5355,7 @@
           <a:p>
             <a:r>
               <a:rPr lang="en-GB" dirty="0" smtClean="0"/>
-              <a:t>Price: 123	Value GBP</a:t>
+              <a:t>Price: 123	Value</a:t>
             </a:r>
             <a:endParaRPr lang="en-GB" dirty="0"/>
           </a:p>
@@ -5597,6 +5573,1533 @@
     <p:extLst>
       <p:ext uri="{BB962C8B-B14F-4D97-AF65-F5344CB8AC3E}">
         <p14:creationId xmlns:p14="http://schemas.microsoft.com/office/powerpoint/2010/main" val="1736229466"/>
+      </p:ext>
+    </p:extLst>
+  </p:cSld>
+  <p:clrMapOvr>
+    <a:masterClrMapping/>
+  </p:clrMapOvr>
+</p:sld>
+</file>
+
+<file path=ppt/slides/slide6.xml><?xml version="1.0" encoding="utf-8"?>
+<p:sld xmlns:a="http://schemas.openxmlformats.org/drawingml/2006/main" xmlns:r="http://schemas.openxmlformats.org/officeDocument/2006/relationships" xmlns:p="http://schemas.openxmlformats.org/presentationml/2006/main">
+  <p:cSld>
+    <p:spTree>
+      <p:nvGrpSpPr>
+        <p:cNvPr id="1" name=""/>
+        <p:cNvGrpSpPr/>
+        <p:nvPr/>
+      </p:nvGrpSpPr>
+      <p:grpSpPr>
+        <a:xfrm>
+          <a:off x="0" y="0"/>
+          <a:ext cx="0" cy="0"/>
+          <a:chOff x="0" y="0"/>
+          <a:chExt cx="0" cy="0"/>
+        </a:xfrm>
+      </p:grpSpPr>
+      <p:sp>
+        <p:nvSpPr>
+          <p:cNvPr id="2" name="Title 1"/>
+          <p:cNvSpPr>
+            <a:spLocks noGrp="1"/>
+          </p:cNvSpPr>
+          <p:nvPr>
+            <p:ph type="title"/>
+          </p:nvPr>
+        </p:nvSpPr>
+        <p:spPr/>
+        <p:txBody>
+          <a:bodyPr/>
+          <a:lstStyle/>
+          <a:p>
+            <a:r>
+              <a:rPr lang="en-US" dirty="0" smtClean="0"/>
+              <a:t>Changes in Stock Price</a:t>
+            </a:r>
+            <a:endParaRPr lang="en-US" dirty="0"/>
+          </a:p>
+        </p:txBody>
+      </p:sp>
+      <p:sp>
+        <p:nvSpPr>
+          <p:cNvPr id="3" name="Content Placeholder 2"/>
+          <p:cNvSpPr>
+            <a:spLocks noGrp="1"/>
+          </p:cNvSpPr>
+          <p:nvPr>
+            <p:ph idx="1"/>
+          </p:nvPr>
+        </p:nvSpPr>
+        <p:spPr>
+          <a:xfrm>
+            <a:off x="4139952" y="1628800"/>
+            <a:ext cx="4536504" cy="4525963"/>
+          </a:xfrm>
+        </p:spPr>
+        <p:txBody>
+          <a:bodyPr/>
+          <a:lstStyle/>
+          <a:p>
+            <a:r>
+              <a:rPr lang="en-US" dirty="0" smtClean="0"/>
+              <a:t>User taps on ‘Portfolio Value’</a:t>
+            </a:r>
+          </a:p>
+          <a:p>
+            <a:r>
+              <a:rPr lang="en-US" dirty="0" smtClean="0"/>
+              <a:t>Change in stock price is presented as part of the ‘stock portfolio’.</a:t>
+            </a:r>
+          </a:p>
+          <a:p>
+            <a:r>
+              <a:rPr lang="en-US" dirty="0" smtClean="0"/>
+              <a:t>Value is calculated as change from the day’s opening value.</a:t>
+            </a:r>
+          </a:p>
+        </p:txBody>
+      </p:sp>
+      <p:sp>
+        <p:nvSpPr>
+          <p:cNvPr id="4" name="Rectangle 3"/>
+          <p:cNvSpPr/>
+          <p:nvPr/>
+        </p:nvSpPr>
+        <p:spPr>
+          <a:xfrm>
+            <a:off x="467544" y="1628800"/>
+            <a:ext cx="3489841" cy="4752528"/>
+          </a:xfrm>
+          <a:prstGeom prst="rect">
+            <a:avLst/>
+          </a:prstGeom>
+          <a:solidFill>
+            <a:schemeClr val="tx1">
+              <a:lumMod val="75000"/>
+              <a:lumOff val="25000"/>
+            </a:schemeClr>
+          </a:solidFill>
+        </p:spPr>
+        <p:style>
+          <a:lnRef idx="0">
+            <a:schemeClr val="dk1"/>
+          </a:lnRef>
+          <a:fillRef idx="3">
+            <a:schemeClr val="dk1"/>
+          </a:fillRef>
+          <a:effectRef idx="3">
+            <a:schemeClr val="dk1"/>
+          </a:effectRef>
+          <a:fontRef idx="minor">
+            <a:schemeClr val="lt1"/>
+          </a:fontRef>
+        </p:style>
+        <p:txBody>
+          <a:bodyPr rtlCol="0" anchor="ctr"/>
+          <a:lstStyle/>
+          <a:p>
+            <a:pPr algn="ctr"/>
+            <a:endParaRPr lang="en-GB">
+              <a:solidFill>
+                <a:prstClr val="white"/>
+              </a:solidFill>
+            </a:endParaRPr>
+          </a:p>
+        </p:txBody>
+      </p:sp>
+      <p:sp>
+        <p:nvSpPr>
+          <p:cNvPr id="5" name="TextBox 4"/>
+          <p:cNvSpPr txBox="1"/>
+          <p:nvPr/>
+        </p:nvSpPr>
+        <p:spPr>
+          <a:xfrm>
+            <a:off x="467544" y="1628800"/>
+            <a:ext cx="3528392" cy="523220"/>
+          </a:xfrm>
+          <a:prstGeom prst="rect">
+            <a:avLst/>
+          </a:prstGeom>
+          <a:noFill/>
+          <a:ln>
+            <a:noFill/>
+          </a:ln>
+        </p:spPr>
+        <p:txBody>
+          <a:bodyPr wrap="square" rtlCol="0">
+            <a:spAutoFit/>
+          </a:bodyPr>
+          <a:lstStyle/>
+          <a:p>
+            <a:pPr algn="ctr"/>
+            <a:r>
+              <a:rPr lang="en-GB" sz="2800" dirty="0" smtClean="0">
+                <a:solidFill>
+                  <a:prstClr val="white"/>
+                </a:solidFill>
+              </a:rPr>
+              <a:t>Stock Details</a:t>
+            </a:r>
+            <a:endParaRPr lang="en-GB" sz="2800" dirty="0">
+              <a:solidFill>
+                <a:prstClr val="white"/>
+              </a:solidFill>
+            </a:endParaRPr>
+          </a:p>
+        </p:txBody>
+      </p:sp>
+      <p:sp>
+        <p:nvSpPr>
+          <p:cNvPr id="6" name="Rectangle 5"/>
+          <p:cNvSpPr/>
+          <p:nvPr/>
+        </p:nvSpPr>
+        <p:spPr>
+          <a:xfrm>
+            <a:off x="467544" y="2152020"/>
+            <a:ext cx="3489841" cy="3600658"/>
+          </a:xfrm>
+          <a:prstGeom prst="rect">
+            <a:avLst/>
+          </a:prstGeom>
+          <a:ln/>
+        </p:spPr>
+        <p:style>
+          <a:lnRef idx="1">
+            <a:schemeClr val="accent1"/>
+          </a:lnRef>
+          <a:fillRef idx="2">
+            <a:schemeClr val="accent1"/>
+          </a:fillRef>
+          <a:effectRef idx="1">
+            <a:schemeClr val="accent1"/>
+          </a:effectRef>
+          <a:fontRef idx="minor">
+            <a:schemeClr val="dk1"/>
+          </a:fontRef>
+        </p:style>
+        <p:txBody>
+          <a:bodyPr rtlCol="0" anchor="ctr"/>
+          <a:lstStyle/>
+          <a:p>
+            <a:pPr algn="ctr"/>
+            <a:endParaRPr lang="en-GB">
+              <a:solidFill>
+                <a:prstClr val="black"/>
+              </a:solidFill>
+            </a:endParaRPr>
+          </a:p>
+        </p:txBody>
+      </p:sp>
+      <p:sp>
+        <p:nvSpPr>
+          <p:cNvPr id="7" name="Rectangle 6"/>
+          <p:cNvSpPr/>
+          <p:nvPr/>
+        </p:nvSpPr>
+        <p:spPr>
+          <a:xfrm>
+            <a:off x="467543" y="2636912"/>
+            <a:ext cx="3500753" cy="377518"/>
+          </a:xfrm>
+          <a:prstGeom prst="rect">
+            <a:avLst/>
+          </a:prstGeom>
+          <a:solidFill>
+            <a:schemeClr val="bg1"/>
+          </a:solidFill>
+          <a:ln>
+            <a:noFill/>
+          </a:ln>
+        </p:spPr>
+        <p:style>
+          <a:lnRef idx="1">
+            <a:schemeClr val="accent1"/>
+          </a:lnRef>
+          <a:fillRef idx="2">
+            <a:schemeClr val="accent1"/>
+          </a:fillRef>
+          <a:effectRef idx="1">
+            <a:schemeClr val="accent1"/>
+          </a:effectRef>
+          <a:fontRef idx="minor">
+            <a:schemeClr val="dk1"/>
+          </a:fontRef>
+        </p:style>
+        <p:txBody>
+          <a:bodyPr rtlCol="0" anchor="ctr"/>
+          <a:lstStyle/>
+          <a:p>
+            <a:r>
+              <a:rPr lang="en-GB" dirty="0" smtClean="0"/>
+              <a:t>Symbol: BP.L</a:t>
+            </a:r>
+            <a:endParaRPr lang="en-GB" dirty="0"/>
+          </a:p>
+        </p:txBody>
+      </p:sp>
+      <p:sp>
+        <p:nvSpPr>
+          <p:cNvPr id="8" name="Rectangle 7"/>
+          <p:cNvSpPr/>
+          <p:nvPr/>
+        </p:nvSpPr>
+        <p:spPr>
+          <a:xfrm>
+            <a:off x="467544" y="3014430"/>
+            <a:ext cx="3456385" cy="360040"/>
+          </a:xfrm>
+          <a:prstGeom prst="rect">
+            <a:avLst/>
+          </a:prstGeom>
+          <a:solidFill>
+            <a:schemeClr val="bg1"/>
+          </a:solidFill>
+          <a:ln>
+            <a:noFill/>
+          </a:ln>
+        </p:spPr>
+        <p:style>
+          <a:lnRef idx="1">
+            <a:schemeClr val="accent1"/>
+          </a:lnRef>
+          <a:fillRef idx="2">
+            <a:schemeClr val="accent1"/>
+          </a:fillRef>
+          <a:effectRef idx="1">
+            <a:schemeClr val="accent1"/>
+          </a:effectRef>
+          <a:fontRef idx="minor">
+            <a:schemeClr val="dk1"/>
+          </a:fontRef>
+        </p:style>
+        <p:txBody>
+          <a:bodyPr rtlCol="0" anchor="ctr"/>
+          <a:lstStyle/>
+          <a:p>
+            <a:r>
+              <a:rPr lang="en-GB" dirty="0" smtClean="0"/>
+              <a:t>Price: 455	Value         </a:t>
+            </a:r>
+            <a:r>
+              <a:rPr lang="en-GB" dirty="0" err="1" smtClean="0"/>
+              <a:t>Chg</a:t>
+            </a:r>
+            <a:endParaRPr lang="en-GB" dirty="0"/>
+          </a:p>
+        </p:txBody>
+      </p:sp>
+      <p:sp>
+        <p:nvSpPr>
+          <p:cNvPr id="9" name="Rectangle 8"/>
+          <p:cNvSpPr/>
+          <p:nvPr/>
+        </p:nvSpPr>
+        <p:spPr>
+          <a:xfrm>
+            <a:off x="467543" y="3357732"/>
+            <a:ext cx="3500754" cy="377518"/>
+          </a:xfrm>
+          <a:prstGeom prst="rect">
+            <a:avLst/>
+          </a:prstGeom>
+          <a:solidFill>
+            <a:schemeClr val="bg1"/>
+          </a:solidFill>
+          <a:ln>
+            <a:noFill/>
+          </a:ln>
+        </p:spPr>
+        <p:style>
+          <a:lnRef idx="1">
+            <a:schemeClr val="accent1"/>
+          </a:lnRef>
+          <a:fillRef idx="2">
+            <a:schemeClr val="accent1"/>
+          </a:fillRef>
+          <a:effectRef idx="1">
+            <a:schemeClr val="accent1"/>
+          </a:effectRef>
+          <a:fontRef idx="minor">
+            <a:schemeClr val="dk1"/>
+          </a:fontRef>
+        </p:style>
+        <p:txBody>
+          <a:bodyPr rtlCol="0" anchor="ctr"/>
+          <a:lstStyle/>
+          <a:p>
+            <a:r>
+              <a:rPr lang="en-GB" dirty="0" smtClean="0"/>
+              <a:t>Quantity: 100	£5554         </a:t>
+            </a:r>
+            <a:r>
+              <a:rPr lang="en-GB" dirty="0" smtClean="0">
+                <a:solidFill>
+                  <a:srgbClr val="008000"/>
+                </a:solidFill>
+              </a:rPr>
+              <a:t>+5%</a:t>
+            </a:r>
+            <a:endParaRPr lang="en-GB" dirty="0">
+              <a:solidFill>
+                <a:srgbClr val="008000"/>
+              </a:solidFill>
+            </a:endParaRPr>
+          </a:p>
+        </p:txBody>
+      </p:sp>
+      <p:sp>
+        <p:nvSpPr>
+          <p:cNvPr id="10" name="Rectangle 9"/>
+          <p:cNvSpPr/>
+          <p:nvPr/>
+        </p:nvSpPr>
+        <p:spPr>
+          <a:xfrm>
+            <a:off x="467543" y="3918133"/>
+            <a:ext cx="3489841" cy="377518"/>
+          </a:xfrm>
+          <a:prstGeom prst="rect">
+            <a:avLst/>
+          </a:prstGeom>
+          <a:solidFill>
+            <a:schemeClr val="bg1"/>
+          </a:solidFill>
+          <a:ln>
+            <a:noFill/>
+          </a:ln>
+        </p:spPr>
+        <p:style>
+          <a:lnRef idx="1">
+            <a:schemeClr val="accent1"/>
+          </a:lnRef>
+          <a:fillRef idx="2">
+            <a:schemeClr val="accent1"/>
+          </a:fillRef>
+          <a:effectRef idx="1">
+            <a:schemeClr val="accent1"/>
+          </a:effectRef>
+          <a:fontRef idx="minor">
+            <a:schemeClr val="dk1"/>
+          </a:fontRef>
+        </p:style>
+        <p:txBody>
+          <a:bodyPr rtlCol="0" anchor="ctr"/>
+          <a:lstStyle/>
+          <a:p>
+            <a:r>
+              <a:rPr lang="en-GB" dirty="0" smtClean="0"/>
+              <a:t>Symbol: HSBC</a:t>
+            </a:r>
+            <a:endParaRPr lang="en-GB" dirty="0"/>
+          </a:p>
+        </p:txBody>
+      </p:sp>
+      <p:sp>
+        <p:nvSpPr>
+          <p:cNvPr id="11" name="Rectangle 10"/>
+          <p:cNvSpPr/>
+          <p:nvPr/>
+        </p:nvSpPr>
+        <p:spPr>
+          <a:xfrm>
+            <a:off x="467543" y="4295651"/>
+            <a:ext cx="3495298" cy="360040"/>
+          </a:xfrm>
+          <a:prstGeom prst="rect">
+            <a:avLst/>
+          </a:prstGeom>
+          <a:solidFill>
+            <a:schemeClr val="bg1"/>
+          </a:solidFill>
+          <a:ln>
+            <a:noFill/>
+          </a:ln>
+        </p:spPr>
+        <p:style>
+          <a:lnRef idx="1">
+            <a:schemeClr val="accent1"/>
+          </a:lnRef>
+          <a:fillRef idx="2">
+            <a:schemeClr val="accent1"/>
+          </a:fillRef>
+          <a:effectRef idx="1">
+            <a:schemeClr val="accent1"/>
+          </a:effectRef>
+          <a:fontRef idx="minor">
+            <a:schemeClr val="dk1"/>
+          </a:fontRef>
+        </p:style>
+        <p:txBody>
+          <a:bodyPr rtlCol="0" anchor="ctr"/>
+          <a:lstStyle/>
+          <a:p>
+            <a:r>
+              <a:rPr lang="en-GB" dirty="0" smtClean="0"/>
+              <a:t>Price: 123	Value         </a:t>
+            </a:r>
+            <a:r>
+              <a:rPr lang="en-GB" dirty="0" err="1" smtClean="0"/>
+              <a:t>Chg</a:t>
+            </a:r>
+            <a:endParaRPr lang="en-GB" dirty="0"/>
+          </a:p>
+        </p:txBody>
+      </p:sp>
+      <p:sp>
+        <p:nvSpPr>
+          <p:cNvPr id="12" name="Rectangle 11"/>
+          <p:cNvSpPr/>
+          <p:nvPr/>
+        </p:nvSpPr>
+        <p:spPr>
+          <a:xfrm>
+            <a:off x="467543" y="4638953"/>
+            <a:ext cx="3495297" cy="377518"/>
+          </a:xfrm>
+          <a:prstGeom prst="rect">
+            <a:avLst/>
+          </a:prstGeom>
+          <a:solidFill>
+            <a:schemeClr val="bg1"/>
+          </a:solidFill>
+          <a:ln>
+            <a:noFill/>
+          </a:ln>
+        </p:spPr>
+        <p:style>
+          <a:lnRef idx="1">
+            <a:schemeClr val="accent1"/>
+          </a:lnRef>
+          <a:fillRef idx="2">
+            <a:schemeClr val="accent1"/>
+          </a:fillRef>
+          <a:effectRef idx="1">
+            <a:schemeClr val="accent1"/>
+          </a:effectRef>
+          <a:fontRef idx="minor">
+            <a:schemeClr val="dk1"/>
+          </a:fontRef>
+        </p:style>
+        <p:txBody>
+          <a:bodyPr rtlCol="0" anchor="ctr"/>
+          <a:lstStyle/>
+          <a:p>
+            <a:r>
+              <a:rPr lang="en-GB" dirty="0" smtClean="0"/>
+              <a:t>Quantity: 200	£512           </a:t>
+            </a:r>
+            <a:r>
+              <a:rPr lang="en-GB" dirty="0" smtClean="0">
+                <a:solidFill>
+                  <a:srgbClr val="FF0000"/>
+                </a:solidFill>
+              </a:rPr>
+              <a:t>-1%</a:t>
+            </a:r>
+            <a:endParaRPr lang="en-GB" dirty="0">
+              <a:solidFill>
+                <a:srgbClr val="FF0000"/>
+              </a:solidFill>
+            </a:endParaRPr>
+          </a:p>
+        </p:txBody>
+      </p:sp>
+      <p:pic>
+        <p:nvPicPr>
+          <p:cNvPr id="13" name="Picture 2" descr="C:\Users\jamesoliver\AppData\Local\Microsoft\Windows\Temporary Internet Files\Content.IE5\WLZL7BRY\MC900432529[1].png"/>
+          <p:cNvPicPr>
+            <a:picLocks noChangeAspect="1" noChangeArrowheads="1"/>
+          </p:cNvPicPr>
+          <p:nvPr/>
+        </p:nvPicPr>
+        <p:blipFill>
+          <a:blip r:embed="rId2" cstate="print">
+            <a:extLst>
+              <a:ext uri="{28A0092B-C50C-407E-A947-70E740481C1C}">
+                <a14:useLocalDpi xmlns:a14="http://schemas.microsoft.com/office/drawing/2010/main" val="0"/>
+              </a:ext>
+            </a:extLst>
+          </a:blip>
+          <a:srcRect/>
+          <a:stretch>
+            <a:fillRect/>
+          </a:stretch>
+        </p:blipFill>
+        <p:spPr bwMode="auto">
+          <a:xfrm>
+            <a:off x="755576" y="5701834"/>
+            <a:ext cx="720080" cy="720080"/>
+          </a:xfrm>
+          <a:prstGeom prst="rect">
+            <a:avLst/>
+          </a:prstGeom>
+          <a:noFill/>
+          <a:extLst>
+            <a:ext uri="{909E8E84-426E-40DD-AFC4-6F175D3DCCD1}">
+              <a14:hiddenFill xmlns:a14="http://schemas.microsoft.com/office/drawing/2010/main">
+                <a:solidFill>
+                  <a:srgbClr val="FFFFFF"/>
+                </a:solidFill>
+              </a14:hiddenFill>
+            </a:ext>
+          </a:extLst>
+        </p:spPr>
+      </p:pic>
+      <p:sp>
+        <p:nvSpPr>
+          <p:cNvPr id="14" name="TextBox 13"/>
+          <p:cNvSpPr txBox="1"/>
+          <p:nvPr/>
+        </p:nvSpPr>
+        <p:spPr>
+          <a:xfrm>
+            <a:off x="1516407" y="5800264"/>
+            <a:ext cx="1364476" cy="523220"/>
+          </a:xfrm>
+          <a:prstGeom prst="rect">
+            <a:avLst/>
+          </a:prstGeom>
+          <a:noFill/>
+        </p:spPr>
+        <p:txBody>
+          <a:bodyPr wrap="none" rtlCol="0">
+            <a:spAutoFit/>
+          </a:bodyPr>
+          <a:lstStyle/>
+          <a:p>
+            <a:r>
+              <a:rPr lang="en-GB" sz="2800" dirty="0" smtClean="0">
+                <a:solidFill>
+                  <a:schemeClr val="bg1"/>
+                </a:solidFill>
+              </a:rPr>
+              <a:t>Go Back</a:t>
+            </a:r>
+            <a:endParaRPr lang="en-GB" sz="2800" dirty="0">
+              <a:solidFill>
+                <a:schemeClr val="bg1"/>
+              </a:solidFill>
+            </a:endParaRPr>
+          </a:p>
+        </p:txBody>
+      </p:sp>
+      <p:sp>
+        <p:nvSpPr>
+          <p:cNvPr id="15" name="Rectangle 14"/>
+          <p:cNvSpPr/>
+          <p:nvPr/>
+        </p:nvSpPr>
+        <p:spPr>
+          <a:xfrm>
+            <a:off x="3275856" y="2996952"/>
+            <a:ext cx="648072" cy="738298"/>
+          </a:xfrm>
+          <a:prstGeom prst="rect">
+            <a:avLst/>
+          </a:prstGeom>
+          <a:noFill/>
+        </p:spPr>
+        <p:style>
+          <a:lnRef idx="2">
+            <a:schemeClr val="accent1">
+              <a:shade val="50000"/>
+            </a:schemeClr>
+          </a:lnRef>
+          <a:fillRef idx="1">
+            <a:schemeClr val="accent1"/>
+          </a:fillRef>
+          <a:effectRef idx="0">
+            <a:schemeClr val="accent1"/>
+          </a:effectRef>
+          <a:fontRef idx="minor">
+            <a:schemeClr val="lt1"/>
+          </a:fontRef>
+        </p:style>
+        <p:txBody>
+          <a:bodyPr rtlCol="0" anchor="ctr"/>
+          <a:lstStyle/>
+          <a:p>
+            <a:pPr algn="ctr"/>
+            <a:endParaRPr lang="en-GB"/>
+          </a:p>
+        </p:txBody>
+      </p:sp>
+      <p:sp>
+        <p:nvSpPr>
+          <p:cNvPr id="16" name="Rectangle 15"/>
+          <p:cNvSpPr/>
+          <p:nvPr/>
+        </p:nvSpPr>
+        <p:spPr>
+          <a:xfrm>
+            <a:off x="3275856" y="4212430"/>
+            <a:ext cx="504056" cy="792088"/>
+          </a:xfrm>
+          <a:prstGeom prst="rect">
+            <a:avLst/>
+          </a:prstGeom>
+          <a:noFill/>
+        </p:spPr>
+        <p:style>
+          <a:lnRef idx="2">
+            <a:schemeClr val="accent1">
+              <a:shade val="50000"/>
+            </a:schemeClr>
+          </a:lnRef>
+          <a:fillRef idx="1">
+            <a:schemeClr val="accent1"/>
+          </a:fillRef>
+          <a:effectRef idx="0">
+            <a:schemeClr val="accent1"/>
+          </a:effectRef>
+          <a:fontRef idx="minor">
+            <a:schemeClr val="lt1"/>
+          </a:fontRef>
+        </p:style>
+        <p:txBody>
+          <a:bodyPr rtlCol="0" anchor="ctr"/>
+          <a:lstStyle/>
+          <a:p>
+            <a:pPr algn="ctr"/>
+            <a:endParaRPr lang="en-GB"/>
+          </a:p>
+        </p:txBody>
+      </p:sp>
+    </p:spTree>
+    <p:extLst>
+      <p:ext uri="{BB962C8B-B14F-4D97-AF65-F5344CB8AC3E}">
+        <p14:creationId xmlns:p14="http://schemas.microsoft.com/office/powerpoint/2010/main" val="1402413575"/>
+      </p:ext>
+    </p:extLst>
+  </p:cSld>
+  <p:clrMapOvr>
+    <a:masterClrMapping/>
+  </p:clrMapOvr>
+</p:sld>
+</file>
+
+<file path=ppt/slides/slide7.xml><?xml version="1.0" encoding="utf-8"?>
+<p:sld xmlns:a="http://schemas.openxmlformats.org/drawingml/2006/main" xmlns:r="http://schemas.openxmlformats.org/officeDocument/2006/relationships" xmlns:p="http://schemas.openxmlformats.org/presentationml/2006/main">
+  <p:cSld>
+    <p:spTree>
+      <p:nvGrpSpPr>
+        <p:cNvPr id="1" name=""/>
+        <p:cNvGrpSpPr/>
+        <p:nvPr/>
+      </p:nvGrpSpPr>
+      <p:grpSpPr>
+        <a:xfrm>
+          <a:off x="0" y="0"/>
+          <a:ext cx="0" cy="0"/>
+          <a:chOff x="0" y="0"/>
+          <a:chExt cx="0" cy="0"/>
+        </a:xfrm>
+      </p:grpSpPr>
+      <p:sp>
+        <p:nvSpPr>
+          <p:cNvPr id="2" name="Title 1"/>
+          <p:cNvSpPr>
+            <a:spLocks noGrp="1"/>
+          </p:cNvSpPr>
+          <p:nvPr>
+            <p:ph type="title"/>
+          </p:nvPr>
+        </p:nvSpPr>
+        <p:spPr/>
+        <p:txBody>
+          <a:bodyPr/>
+          <a:lstStyle/>
+          <a:p>
+            <a:r>
+              <a:rPr lang="en-US" dirty="0" smtClean="0"/>
+              <a:t>Weekly High and Low Value</a:t>
+            </a:r>
+            <a:endParaRPr lang="en-US" dirty="0"/>
+          </a:p>
+        </p:txBody>
+      </p:sp>
+      <p:sp>
+        <p:nvSpPr>
+          <p:cNvPr id="3" name="Content Placeholder 2"/>
+          <p:cNvSpPr>
+            <a:spLocks noGrp="1"/>
+          </p:cNvSpPr>
+          <p:nvPr>
+            <p:ph idx="1"/>
+          </p:nvPr>
+        </p:nvSpPr>
+        <p:spPr>
+          <a:xfrm>
+            <a:off x="4283968" y="1628800"/>
+            <a:ext cx="4042792" cy="4525963"/>
+          </a:xfrm>
+        </p:spPr>
+        <p:txBody>
+          <a:bodyPr/>
+          <a:lstStyle/>
+          <a:p>
+            <a:r>
+              <a:rPr lang="en-US" dirty="0" smtClean="0"/>
+              <a:t>User taps on ‘Portfolio Value’</a:t>
+            </a:r>
+          </a:p>
+          <a:p>
+            <a:r>
+              <a:rPr lang="en-US" dirty="0" smtClean="0"/>
+              <a:t>Weekly high and low information presented as a dialogue when the user taps on </a:t>
+            </a:r>
+            <a:r>
+              <a:rPr lang="en-US" smtClean="0"/>
+              <a:t>the share.</a:t>
+            </a:r>
+            <a:endParaRPr lang="en-US" dirty="0"/>
+          </a:p>
+        </p:txBody>
+      </p:sp>
+      <p:sp>
+        <p:nvSpPr>
+          <p:cNvPr id="4" name="Rectangle 3"/>
+          <p:cNvSpPr/>
+          <p:nvPr/>
+        </p:nvSpPr>
+        <p:spPr>
+          <a:xfrm>
+            <a:off x="467544" y="1628800"/>
+            <a:ext cx="3489841" cy="4752528"/>
+          </a:xfrm>
+          <a:prstGeom prst="rect">
+            <a:avLst/>
+          </a:prstGeom>
+          <a:solidFill>
+            <a:schemeClr val="tx1">
+              <a:lumMod val="75000"/>
+              <a:lumOff val="25000"/>
+            </a:schemeClr>
+          </a:solidFill>
+        </p:spPr>
+        <p:style>
+          <a:lnRef idx="0">
+            <a:schemeClr val="dk1"/>
+          </a:lnRef>
+          <a:fillRef idx="3">
+            <a:schemeClr val="dk1"/>
+          </a:fillRef>
+          <a:effectRef idx="3">
+            <a:schemeClr val="dk1"/>
+          </a:effectRef>
+          <a:fontRef idx="minor">
+            <a:schemeClr val="lt1"/>
+          </a:fontRef>
+        </p:style>
+        <p:txBody>
+          <a:bodyPr rtlCol="0" anchor="ctr"/>
+          <a:lstStyle/>
+          <a:p>
+            <a:pPr algn="ctr"/>
+            <a:endParaRPr lang="en-GB">
+              <a:solidFill>
+                <a:prstClr val="white"/>
+              </a:solidFill>
+            </a:endParaRPr>
+          </a:p>
+        </p:txBody>
+      </p:sp>
+      <p:sp>
+        <p:nvSpPr>
+          <p:cNvPr id="5" name="TextBox 4"/>
+          <p:cNvSpPr txBox="1"/>
+          <p:nvPr/>
+        </p:nvSpPr>
+        <p:spPr>
+          <a:xfrm>
+            <a:off x="467544" y="1628800"/>
+            <a:ext cx="3528392" cy="523220"/>
+          </a:xfrm>
+          <a:prstGeom prst="rect">
+            <a:avLst/>
+          </a:prstGeom>
+          <a:noFill/>
+          <a:ln>
+            <a:noFill/>
+          </a:ln>
+        </p:spPr>
+        <p:txBody>
+          <a:bodyPr wrap="square" rtlCol="0">
+            <a:spAutoFit/>
+          </a:bodyPr>
+          <a:lstStyle/>
+          <a:p>
+            <a:pPr algn="ctr"/>
+            <a:r>
+              <a:rPr lang="en-GB" sz="2800" dirty="0" smtClean="0">
+                <a:solidFill>
+                  <a:prstClr val="white"/>
+                </a:solidFill>
+              </a:rPr>
+              <a:t>Stock Details</a:t>
+            </a:r>
+            <a:endParaRPr lang="en-GB" sz="2800" dirty="0">
+              <a:solidFill>
+                <a:prstClr val="white"/>
+              </a:solidFill>
+            </a:endParaRPr>
+          </a:p>
+        </p:txBody>
+      </p:sp>
+      <p:sp>
+        <p:nvSpPr>
+          <p:cNvPr id="6" name="Rectangle 5"/>
+          <p:cNvSpPr/>
+          <p:nvPr/>
+        </p:nvSpPr>
+        <p:spPr>
+          <a:xfrm>
+            <a:off x="467544" y="2152020"/>
+            <a:ext cx="3489841" cy="3600658"/>
+          </a:xfrm>
+          <a:prstGeom prst="rect">
+            <a:avLst/>
+          </a:prstGeom>
+          <a:ln/>
+        </p:spPr>
+        <p:style>
+          <a:lnRef idx="1">
+            <a:schemeClr val="accent1"/>
+          </a:lnRef>
+          <a:fillRef idx="2">
+            <a:schemeClr val="accent1"/>
+          </a:fillRef>
+          <a:effectRef idx="1">
+            <a:schemeClr val="accent1"/>
+          </a:effectRef>
+          <a:fontRef idx="minor">
+            <a:schemeClr val="dk1"/>
+          </a:fontRef>
+        </p:style>
+        <p:txBody>
+          <a:bodyPr rtlCol="0" anchor="ctr"/>
+          <a:lstStyle/>
+          <a:p>
+            <a:pPr algn="ctr"/>
+            <a:endParaRPr lang="en-GB">
+              <a:solidFill>
+                <a:prstClr val="black"/>
+              </a:solidFill>
+            </a:endParaRPr>
+          </a:p>
+        </p:txBody>
+      </p:sp>
+      <p:sp>
+        <p:nvSpPr>
+          <p:cNvPr id="7" name="Rectangle 6"/>
+          <p:cNvSpPr/>
+          <p:nvPr/>
+        </p:nvSpPr>
+        <p:spPr>
+          <a:xfrm>
+            <a:off x="467543" y="2636912"/>
+            <a:ext cx="3500753" cy="377518"/>
+          </a:xfrm>
+          <a:prstGeom prst="rect">
+            <a:avLst/>
+          </a:prstGeom>
+          <a:solidFill>
+            <a:schemeClr val="bg1"/>
+          </a:solidFill>
+          <a:ln>
+            <a:noFill/>
+          </a:ln>
+        </p:spPr>
+        <p:style>
+          <a:lnRef idx="1">
+            <a:schemeClr val="accent1"/>
+          </a:lnRef>
+          <a:fillRef idx="2">
+            <a:schemeClr val="accent1"/>
+          </a:fillRef>
+          <a:effectRef idx="1">
+            <a:schemeClr val="accent1"/>
+          </a:effectRef>
+          <a:fontRef idx="minor">
+            <a:schemeClr val="dk1"/>
+          </a:fontRef>
+        </p:style>
+        <p:txBody>
+          <a:bodyPr rtlCol="0" anchor="ctr"/>
+          <a:lstStyle/>
+          <a:p>
+            <a:r>
+              <a:rPr lang="en-GB" dirty="0" smtClean="0"/>
+              <a:t>Symbol: BP.L</a:t>
+            </a:r>
+            <a:endParaRPr lang="en-GB" dirty="0"/>
+          </a:p>
+        </p:txBody>
+      </p:sp>
+      <p:sp>
+        <p:nvSpPr>
+          <p:cNvPr id="8" name="Rectangle 7"/>
+          <p:cNvSpPr/>
+          <p:nvPr/>
+        </p:nvSpPr>
+        <p:spPr>
+          <a:xfrm>
+            <a:off x="467544" y="3014430"/>
+            <a:ext cx="3456385" cy="360040"/>
+          </a:xfrm>
+          <a:prstGeom prst="rect">
+            <a:avLst/>
+          </a:prstGeom>
+          <a:solidFill>
+            <a:schemeClr val="bg1"/>
+          </a:solidFill>
+          <a:ln>
+            <a:noFill/>
+          </a:ln>
+        </p:spPr>
+        <p:style>
+          <a:lnRef idx="1">
+            <a:schemeClr val="accent1"/>
+          </a:lnRef>
+          <a:fillRef idx="2">
+            <a:schemeClr val="accent1"/>
+          </a:fillRef>
+          <a:effectRef idx="1">
+            <a:schemeClr val="accent1"/>
+          </a:effectRef>
+          <a:fontRef idx="minor">
+            <a:schemeClr val="dk1"/>
+          </a:fontRef>
+        </p:style>
+        <p:txBody>
+          <a:bodyPr rtlCol="0" anchor="ctr"/>
+          <a:lstStyle/>
+          <a:p>
+            <a:r>
+              <a:rPr lang="en-GB" dirty="0" smtClean="0"/>
+              <a:t>Price: 455	Value         </a:t>
+            </a:r>
+            <a:r>
+              <a:rPr lang="en-GB" dirty="0" err="1" smtClean="0"/>
+              <a:t>Chg</a:t>
+            </a:r>
+            <a:endParaRPr lang="en-GB" dirty="0"/>
+          </a:p>
+        </p:txBody>
+      </p:sp>
+      <p:sp>
+        <p:nvSpPr>
+          <p:cNvPr id="9" name="Rectangle 8"/>
+          <p:cNvSpPr/>
+          <p:nvPr/>
+        </p:nvSpPr>
+        <p:spPr>
+          <a:xfrm>
+            <a:off x="467543" y="3357732"/>
+            <a:ext cx="3500754" cy="377518"/>
+          </a:xfrm>
+          <a:prstGeom prst="rect">
+            <a:avLst/>
+          </a:prstGeom>
+          <a:solidFill>
+            <a:schemeClr val="bg1"/>
+          </a:solidFill>
+          <a:ln>
+            <a:noFill/>
+          </a:ln>
+        </p:spPr>
+        <p:style>
+          <a:lnRef idx="1">
+            <a:schemeClr val="accent1"/>
+          </a:lnRef>
+          <a:fillRef idx="2">
+            <a:schemeClr val="accent1"/>
+          </a:fillRef>
+          <a:effectRef idx="1">
+            <a:schemeClr val="accent1"/>
+          </a:effectRef>
+          <a:fontRef idx="minor">
+            <a:schemeClr val="dk1"/>
+          </a:fontRef>
+        </p:style>
+        <p:txBody>
+          <a:bodyPr rtlCol="0" anchor="ctr"/>
+          <a:lstStyle/>
+          <a:p>
+            <a:r>
+              <a:rPr lang="en-GB" dirty="0" smtClean="0"/>
+              <a:t>Quantity: 100	£5554         </a:t>
+            </a:r>
+            <a:r>
+              <a:rPr lang="en-GB" dirty="0" smtClean="0">
+                <a:solidFill>
+                  <a:srgbClr val="008000"/>
+                </a:solidFill>
+              </a:rPr>
+              <a:t>+5%</a:t>
+            </a:r>
+            <a:endParaRPr lang="en-GB" dirty="0">
+              <a:solidFill>
+                <a:srgbClr val="008000"/>
+              </a:solidFill>
+            </a:endParaRPr>
+          </a:p>
+        </p:txBody>
+      </p:sp>
+      <p:sp>
+        <p:nvSpPr>
+          <p:cNvPr id="10" name="Rectangle 9"/>
+          <p:cNvSpPr/>
+          <p:nvPr/>
+        </p:nvSpPr>
+        <p:spPr>
+          <a:xfrm>
+            <a:off x="467543" y="3918133"/>
+            <a:ext cx="3489841" cy="377518"/>
+          </a:xfrm>
+          <a:prstGeom prst="rect">
+            <a:avLst/>
+          </a:prstGeom>
+          <a:solidFill>
+            <a:schemeClr val="bg1"/>
+          </a:solidFill>
+          <a:ln>
+            <a:noFill/>
+          </a:ln>
+        </p:spPr>
+        <p:style>
+          <a:lnRef idx="1">
+            <a:schemeClr val="accent1"/>
+          </a:lnRef>
+          <a:fillRef idx="2">
+            <a:schemeClr val="accent1"/>
+          </a:fillRef>
+          <a:effectRef idx="1">
+            <a:schemeClr val="accent1"/>
+          </a:effectRef>
+          <a:fontRef idx="minor">
+            <a:schemeClr val="dk1"/>
+          </a:fontRef>
+        </p:style>
+        <p:txBody>
+          <a:bodyPr rtlCol="0" anchor="ctr"/>
+          <a:lstStyle/>
+          <a:p>
+            <a:r>
+              <a:rPr lang="en-GB" dirty="0" smtClean="0"/>
+              <a:t>Symbol: HSBC</a:t>
+            </a:r>
+            <a:endParaRPr lang="en-GB" dirty="0"/>
+          </a:p>
+        </p:txBody>
+      </p:sp>
+      <p:sp>
+        <p:nvSpPr>
+          <p:cNvPr id="11" name="Rectangle 10"/>
+          <p:cNvSpPr/>
+          <p:nvPr/>
+        </p:nvSpPr>
+        <p:spPr>
+          <a:xfrm>
+            <a:off x="467543" y="4295651"/>
+            <a:ext cx="3495298" cy="360040"/>
+          </a:xfrm>
+          <a:prstGeom prst="rect">
+            <a:avLst/>
+          </a:prstGeom>
+          <a:solidFill>
+            <a:schemeClr val="bg1"/>
+          </a:solidFill>
+          <a:ln>
+            <a:noFill/>
+          </a:ln>
+        </p:spPr>
+        <p:style>
+          <a:lnRef idx="1">
+            <a:schemeClr val="accent1"/>
+          </a:lnRef>
+          <a:fillRef idx="2">
+            <a:schemeClr val="accent1"/>
+          </a:fillRef>
+          <a:effectRef idx="1">
+            <a:schemeClr val="accent1"/>
+          </a:effectRef>
+          <a:fontRef idx="minor">
+            <a:schemeClr val="dk1"/>
+          </a:fontRef>
+        </p:style>
+        <p:txBody>
+          <a:bodyPr rtlCol="0" anchor="ctr"/>
+          <a:lstStyle/>
+          <a:p>
+            <a:r>
+              <a:rPr lang="en-GB" dirty="0" smtClean="0"/>
+              <a:t>Price: 123	Value         </a:t>
+            </a:r>
+            <a:r>
+              <a:rPr lang="en-GB" dirty="0" err="1" smtClean="0"/>
+              <a:t>Chg</a:t>
+            </a:r>
+            <a:endParaRPr lang="en-GB" dirty="0"/>
+          </a:p>
+        </p:txBody>
+      </p:sp>
+      <p:sp>
+        <p:nvSpPr>
+          <p:cNvPr id="12" name="Rectangle 11"/>
+          <p:cNvSpPr/>
+          <p:nvPr/>
+        </p:nvSpPr>
+        <p:spPr>
+          <a:xfrm>
+            <a:off x="467543" y="4638953"/>
+            <a:ext cx="3495297" cy="377518"/>
+          </a:xfrm>
+          <a:prstGeom prst="rect">
+            <a:avLst/>
+          </a:prstGeom>
+          <a:solidFill>
+            <a:schemeClr val="bg1"/>
+          </a:solidFill>
+          <a:ln>
+            <a:noFill/>
+          </a:ln>
+        </p:spPr>
+        <p:style>
+          <a:lnRef idx="1">
+            <a:schemeClr val="accent1"/>
+          </a:lnRef>
+          <a:fillRef idx="2">
+            <a:schemeClr val="accent1"/>
+          </a:fillRef>
+          <a:effectRef idx="1">
+            <a:schemeClr val="accent1"/>
+          </a:effectRef>
+          <a:fontRef idx="minor">
+            <a:schemeClr val="dk1"/>
+          </a:fontRef>
+        </p:style>
+        <p:txBody>
+          <a:bodyPr rtlCol="0" anchor="ctr"/>
+          <a:lstStyle/>
+          <a:p>
+            <a:r>
+              <a:rPr lang="en-GB" dirty="0" smtClean="0"/>
+              <a:t>Quantity: 200	£512           </a:t>
+            </a:r>
+            <a:r>
+              <a:rPr lang="en-GB" dirty="0" smtClean="0">
+                <a:solidFill>
+                  <a:srgbClr val="FF0000"/>
+                </a:solidFill>
+              </a:rPr>
+              <a:t>-1%</a:t>
+            </a:r>
+            <a:endParaRPr lang="en-GB" dirty="0">
+              <a:solidFill>
+                <a:srgbClr val="FF0000"/>
+              </a:solidFill>
+            </a:endParaRPr>
+          </a:p>
+        </p:txBody>
+      </p:sp>
+      <p:pic>
+        <p:nvPicPr>
+          <p:cNvPr id="13" name="Picture 2" descr="C:\Users\jamesoliver\AppData\Local\Microsoft\Windows\Temporary Internet Files\Content.IE5\WLZL7BRY\MC900432529[1].png"/>
+          <p:cNvPicPr>
+            <a:picLocks noChangeAspect="1" noChangeArrowheads="1"/>
+          </p:cNvPicPr>
+          <p:nvPr/>
+        </p:nvPicPr>
+        <p:blipFill>
+          <a:blip r:embed="rId2" cstate="print">
+            <a:extLst>
+              <a:ext uri="{28A0092B-C50C-407E-A947-70E740481C1C}">
+                <a14:useLocalDpi xmlns:a14="http://schemas.microsoft.com/office/drawing/2010/main" val="0"/>
+              </a:ext>
+            </a:extLst>
+          </a:blip>
+          <a:srcRect/>
+          <a:stretch>
+            <a:fillRect/>
+          </a:stretch>
+        </p:blipFill>
+        <p:spPr bwMode="auto">
+          <a:xfrm>
+            <a:off x="755576" y="5701834"/>
+            <a:ext cx="720080" cy="720080"/>
+          </a:xfrm>
+          <a:prstGeom prst="rect">
+            <a:avLst/>
+          </a:prstGeom>
+          <a:noFill/>
+          <a:extLst>
+            <a:ext uri="{909E8E84-426E-40DD-AFC4-6F175D3DCCD1}">
+              <a14:hiddenFill xmlns:a14="http://schemas.microsoft.com/office/drawing/2010/main">
+                <a:solidFill>
+                  <a:srgbClr val="FFFFFF"/>
+                </a:solidFill>
+              </a14:hiddenFill>
+            </a:ext>
+          </a:extLst>
+        </p:spPr>
+      </p:pic>
+      <p:sp>
+        <p:nvSpPr>
+          <p:cNvPr id="14" name="TextBox 13"/>
+          <p:cNvSpPr txBox="1"/>
+          <p:nvPr/>
+        </p:nvSpPr>
+        <p:spPr>
+          <a:xfrm>
+            <a:off x="1516407" y="5800264"/>
+            <a:ext cx="1364476" cy="523220"/>
+          </a:xfrm>
+          <a:prstGeom prst="rect">
+            <a:avLst/>
+          </a:prstGeom>
+          <a:noFill/>
+        </p:spPr>
+        <p:txBody>
+          <a:bodyPr wrap="none" rtlCol="0">
+            <a:spAutoFit/>
+          </a:bodyPr>
+          <a:lstStyle/>
+          <a:p>
+            <a:r>
+              <a:rPr lang="en-GB" sz="2800" dirty="0" smtClean="0">
+                <a:solidFill>
+                  <a:schemeClr val="bg1"/>
+                </a:solidFill>
+              </a:rPr>
+              <a:t>Go Back</a:t>
+            </a:r>
+            <a:endParaRPr lang="en-GB" sz="2800" dirty="0">
+              <a:solidFill>
+                <a:schemeClr val="bg1"/>
+              </a:solidFill>
+            </a:endParaRPr>
+          </a:p>
+        </p:txBody>
+      </p:sp>
+      <p:sp>
+        <p:nvSpPr>
+          <p:cNvPr id="15" name="Rectangle 14"/>
+          <p:cNvSpPr/>
+          <p:nvPr/>
+        </p:nvSpPr>
+        <p:spPr>
+          <a:xfrm>
+            <a:off x="3275856" y="2996952"/>
+            <a:ext cx="648072" cy="738298"/>
+          </a:xfrm>
+          <a:prstGeom prst="rect">
+            <a:avLst/>
+          </a:prstGeom>
+          <a:noFill/>
+        </p:spPr>
+        <p:style>
+          <a:lnRef idx="2">
+            <a:schemeClr val="accent1">
+              <a:shade val="50000"/>
+            </a:schemeClr>
+          </a:lnRef>
+          <a:fillRef idx="1">
+            <a:schemeClr val="accent1"/>
+          </a:fillRef>
+          <a:effectRef idx="0">
+            <a:schemeClr val="accent1"/>
+          </a:effectRef>
+          <a:fontRef idx="minor">
+            <a:schemeClr val="lt1"/>
+          </a:fontRef>
+        </p:style>
+        <p:txBody>
+          <a:bodyPr rtlCol="0" anchor="ctr"/>
+          <a:lstStyle/>
+          <a:p>
+            <a:pPr algn="ctr"/>
+            <a:endParaRPr lang="en-GB"/>
+          </a:p>
+        </p:txBody>
+      </p:sp>
+      <p:sp>
+        <p:nvSpPr>
+          <p:cNvPr id="16" name="Rectangle 15"/>
+          <p:cNvSpPr/>
+          <p:nvPr/>
+        </p:nvSpPr>
+        <p:spPr>
+          <a:xfrm>
+            <a:off x="3275856" y="4212430"/>
+            <a:ext cx="504056" cy="792088"/>
+          </a:xfrm>
+          <a:prstGeom prst="rect">
+            <a:avLst/>
+          </a:prstGeom>
+          <a:noFill/>
+        </p:spPr>
+        <p:style>
+          <a:lnRef idx="2">
+            <a:schemeClr val="accent1">
+              <a:shade val="50000"/>
+            </a:schemeClr>
+          </a:lnRef>
+          <a:fillRef idx="1">
+            <a:schemeClr val="accent1"/>
+          </a:fillRef>
+          <a:effectRef idx="0">
+            <a:schemeClr val="accent1"/>
+          </a:effectRef>
+          <a:fontRef idx="minor">
+            <a:schemeClr val="lt1"/>
+          </a:fontRef>
+        </p:style>
+        <p:txBody>
+          <a:bodyPr rtlCol="0" anchor="ctr"/>
+          <a:lstStyle/>
+          <a:p>
+            <a:pPr algn="ctr"/>
+            <a:endParaRPr lang="en-GB"/>
+          </a:p>
+        </p:txBody>
+      </p:sp>
+      <p:sp>
+        <p:nvSpPr>
+          <p:cNvPr id="17" name="Rectangle 16"/>
+          <p:cNvSpPr/>
+          <p:nvPr/>
+        </p:nvSpPr>
+        <p:spPr>
+          <a:xfrm>
+            <a:off x="467544" y="2996952"/>
+            <a:ext cx="3528392" cy="1512168"/>
+          </a:xfrm>
+          <a:prstGeom prst="rect">
+            <a:avLst/>
+          </a:prstGeom>
+          <a:solidFill>
+            <a:schemeClr val="bg1"/>
+          </a:solidFill>
+        </p:spPr>
+        <p:style>
+          <a:lnRef idx="1">
+            <a:schemeClr val="accent1"/>
+          </a:lnRef>
+          <a:fillRef idx="3">
+            <a:schemeClr val="accent1"/>
+          </a:fillRef>
+          <a:effectRef idx="2">
+            <a:schemeClr val="accent1"/>
+          </a:effectRef>
+          <a:fontRef idx="minor">
+            <a:schemeClr val="lt1"/>
+          </a:fontRef>
+        </p:style>
+        <p:txBody>
+          <a:bodyPr rtlCol="0" anchor="ctr"/>
+          <a:lstStyle/>
+          <a:p>
+            <a:pPr algn="ctr"/>
+            <a:r>
+              <a:rPr lang="en-US" dirty="0" smtClean="0">
+                <a:solidFill>
+                  <a:schemeClr val="tx1"/>
+                </a:solidFill>
+              </a:rPr>
+              <a:t>BP Weekly Values:</a:t>
+            </a:r>
+          </a:p>
+          <a:p>
+            <a:pPr algn="ctr"/>
+            <a:endParaRPr lang="en-US" dirty="0">
+              <a:solidFill>
+                <a:schemeClr val="tx1"/>
+              </a:solidFill>
+            </a:endParaRPr>
+          </a:p>
+          <a:p>
+            <a:pPr algn="ctr"/>
+            <a:r>
+              <a:rPr lang="en-US" dirty="0" smtClean="0">
+                <a:solidFill>
+                  <a:schemeClr val="tx1"/>
+                </a:solidFill>
+              </a:rPr>
+              <a:t>High: 5.12</a:t>
+            </a:r>
+          </a:p>
+          <a:p>
+            <a:pPr algn="ctr"/>
+            <a:r>
+              <a:rPr lang="en-US" dirty="0" smtClean="0">
+                <a:solidFill>
+                  <a:schemeClr val="tx1"/>
+                </a:solidFill>
+              </a:rPr>
+              <a:t>Low: 5.06</a:t>
+            </a:r>
+          </a:p>
+          <a:p>
+            <a:pPr algn="ctr"/>
+            <a:endParaRPr lang="en-US" dirty="0">
+              <a:solidFill>
+                <a:schemeClr val="tx1"/>
+              </a:solidFill>
+            </a:endParaRPr>
+          </a:p>
+        </p:txBody>
+      </p:sp>
+      <p:sp>
+        <p:nvSpPr>
+          <p:cNvPr id="18" name="Rectangle 17"/>
+          <p:cNvSpPr/>
+          <p:nvPr/>
+        </p:nvSpPr>
+        <p:spPr>
+          <a:xfrm>
+            <a:off x="1331640" y="4221088"/>
+            <a:ext cx="1872208" cy="288032"/>
+          </a:xfrm>
+          <a:prstGeom prst="rect">
+            <a:avLst/>
+          </a:prstGeom>
+        </p:spPr>
+        <p:style>
+          <a:lnRef idx="1">
+            <a:schemeClr val="accent1"/>
+          </a:lnRef>
+          <a:fillRef idx="3">
+            <a:schemeClr val="accent1"/>
+          </a:fillRef>
+          <a:effectRef idx="2">
+            <a:schemeClr val="accent1"/>
+          </a:effectRef>
+          <a:fontRef idx="minor">
+            <a:schemeClr val="lt1"/>
+          </a:fontRef>
+        </p:style>
+        <p:txBody>
+          <a:bodyPr rtlCol="0" anchor="ctr"/>
+          <a:lstStyle/>
+          <a:p>
+            <a:pPr algn="ctr"/>
+            <a:r>
+              <a:rPr lang="en-US" dirty="0" smtClean="0"/>
+              <a:t>Dismiss</a:t>
+            </a:r>
+            <a:endParaRPr lang="en-US" dirty="0"/>
+          </a:p>
+        </p:txBody>
+      </p:sp>
+    </p:spTree>
+    <p:extLst>
+      <p:ext uri="{BB962C8B-B14F-4D97-AF65-F5344CB8AC3E}">
+        <p14:creationId xmlns:p14="http://schemas.microsoft.com/office/powerpoint/2010/main" val="2160848583"/>
       </p:ext>
     </p:extLst>
   </p:cSld>

--- a/documents/sprint1/sprint-planning/Stock Tracker Design(with test explanation)- updated.pptx
+++ b/documents/sprint1/sprint-planning/Stock Tracker Design(with test explanation)- updated.pptx
@@ -295,7 +295,7 @@
             <a:fld id="{9B6738BD-9D67-424C-A095-1E992F6EB2E3}" type="datetimeFigureOut">
               <a:rPr lang="en-GB" smtClean="0"/>
               <a:pPr/>
-              <a:t>09/11/2012</a:t>
+              <a:t>13/11/2012</a:t>
             </a:fld>
             <a:endParaRPr lang="en-GB"/>
           </a:p>
@@ -467,7 +467,7 @@
             <a:fld id="{9B6738BD-9D67-424C-A095-1E992F6EB2E3}" type="datetimeFigureOut">
               <a:rPr lang="en-GB" smtClean="0"/>
               <a:pPr/>
-              <a:t>09/11/2012</a:t>
+              <a:t>13/11/2012</a:t>
             </a:fld>
             <a:endParaRPr lang="en-GB"/>
           </a:p>
@@ -649,7 +649,7 @@
             <a:fld id="{9B6738BD-9D67-424C-A095-1E992F6EB2E3}" type="datetimeFigureOut">
               <a:rPr lang="en-GB" smtClean="0"/>
               <a:pPr/>
-              <a:t>09/11/2012</a:t>
+              <a:t>13/11/2012</a:t>
             </a:fld>
             <a:endParaRPr lang="en-GB"/>
           </a:p>
@@ -821,7 +821,7 @@
             <a:fld id="{9B6738BD-9D67-424C-A095-1E992F6EB2E3}" type="datetimeFigureOut">
               <a:rPr lang="en-GB" smtClean="0"/>
               <a:pPr/>
-              <a:t>09/11/2012</a:t>
+              <a:t>13/11/2012</a:t>
             </a:fld>
             <a:endParaRPr lang="en-GB"/>
           </a:p>
@@ -1069,7 +1069,7 @@
             <a:fld id="{9B6738BD-9D67-424C-A095-1E992F6EB2E3}" type="datetimeFigureOut">
               <a:rPr lang="en-GB" smtClean="0"/>
               <a:pPr/>
-              <a:t>09/11/2012</a:t>
+              <a:t>13/11/2012</a:t>
             </a:fld>
             <a:endParaRPr lang="en-GB"/>
           </a:p>
@@ -1359,7 +1359,7 @@
             <a:fld id="{9B6738BD-9D67-424C-A095-1E992F6EB2E3}" type="datetimeFigureOut">
               <a:rPr lang="en-GB" smtClean="0"/>
               <a:pPr/>
-              <a:t>09/11/2012</a:t>
+              <a:t>13/11/2012</a:t>
             </a:fld>
             <a:endParaRPr lang="en-GB"/>
           </a:p>
@@ -1783,7 +1783,7 @@
             <a:fld id="{9B6738BD-9D67-424C-A095-1E992F6EB2E3}" type="datetimeFigureOut">
               <a:rPr lang="en-GB" smtClean="0"/>
               <a:pPr/>
-              <a:t>09/11/2012</a:t>
+              <a:t>13/11/2012</a:t>
             </a:fld>
             <a:endParaRPr lang="en-GB"/>
           </a:p>
@@ -1903,7 +1903,7 @@
             <a:fld id="{9B6738BD-9D67-424C-A095-1E992F6EB2E3}" type="datetimeFigureOut">
               <a:rPr lang="en-GB" smtClean="0"/>
               <a:pPr/>
-              <a:t>09/11/2012</a:t>
+              <a:t>13/11/2012</a:t>
             </a:fld>
             <a:endParaRPr lang="en-GB"/>
           </a:p>
@@ -2000,7 +2000,7 @@
             <a:fld id="{9B6738BD-9D67-424C-A095-1E992F6EB2E3}" type="datetimeFigureOut">
               <a:rPr lang="en-GB" smtClean="0"/>
               <a:pPr/>
-              <a:t>09/11/2012</a:t>
+              <a:t>13/11/2012</a:t>
             </a:fld>
             <a:endParaRPr lang="en-GB"/>
           </a:p>
@@ -2279,7 +2279,7 @@
             <a:fld id="{9B6738BD-9D67-424C-A095-1E992F6EB2E3}" type="datetimeFigureOut">
               <a:rPr lang="en-GB" smtClean="0"/>
               <a:pPr/>
-              <a:t>09/11/2012</a:t>
+              <a:t>13/11/2012</a:t>
             </a:fld>
             <a:endParaRPr lang="en-GB"/>
           </a:p>
@@ -2534,7 +2534,7 @@
             <a:fld id="{9B6738BD-9D67-424C-A095-1E992F6EB2E3}" type="datetimeFigureOut">
               <a:rPr lang="en-GB" smtClean="0"/>
               <a:pPr/>
-              <a:t>09/11/2012</a:t>
+              <a:t>13/11/2012</a:t>
             </a:fld>
             <a:endParaRPr lang="en-GB"/>
           </a:p>
@@ -2749,7 +2749,7 @@
             <a:fld id="{9B6738BD-9D67-424C-A095-1E992F6EB2E3}" type="datetimeFigureOut">
               <a:rPr lang="en-GB" smtClean="0"/>
               <a:pPr/>
-              <a:t>09/11/2012</a:t>
+              <a:t>13/11/2012</a:t>
             </a:fld>
             <a:endParaRPr lang="en-GB"/>
           </a:p>
@@ -6316,7 +6316,7 @@
           <a:p>
             <a:r>
               <a:rPr lang="en-US" dirty="0" smtClean="0"/>
-              <a:t>Weekly High and Low Value</a:t>
+              <a:t>Rocket or Plummet</a:t>
             </a:r>
             <a:endParaRPr lang="en-US" dirty="0"/>
           </a:p>
@@ -6339,7 +6339,9 @@
           </a:xfrm>
         </p:spPr>
         <p:txBody>
-          <a:bodyPr/>
+          <a:bodyPr>
+            <a:normAutofit fontScale="92500"/>
+          </a:bodyPr>
           <a:lstStyle/>
           <a:p>
             <a:r>
@@ -6350,12 +6352,19 @@
           <a:p>
             <a:r>
               <a:rPr lang="en-US" dirty="0" smtClean="0"/>
-              <a:t>Weekly high and low information presented as a dialogue when the user taps on </a:t>
-            </a:r>
-            <a:r>
-              <a:rPr lang="en-US" smtClean="0"/>
-              <a:t>the share.</a:t>
-            </a:r>
+              <a:t>If a rocket or plummet in price is found an appropriate icon is displayed next to the company name.  </a:t>
+            </a:r>
+          </a:p>
+          <a:p>
+            <a:r>
+              <a:rPr lang="en-US" dirty="0" smtClean="0"/>
+              <a:t>User can tap for details.</a:t>
+            </a:r>
+          </a:p>
+          <a:p>
+            <a:pPr marL="0" indent="0">
+              <a:buNone/>
+            </a:pPr>
             <a:endParaRPr lang="en-US" dirty="0"/>
           </a:p>
         </p:txBody>
@@ -7011,8 +7020,77 @@
                   <a:schemeClr val="tx1"/>
                 </a:solidFill>
               </a:rPr>
-              <a:t>BP Weekly Values:</a:t>
-            </a:r>
+              <a:t>BP Price Rocket:</a:t>
+            </a:r>
+            <a:endParaRPr lang="en-US" dirty="0" smtClean="0">
+              <a:solidFill>
+                <a:schemeClr val="tx1"/>
+              </a:solidFill>
+            </a:endParaRPr>
+          </a:p>
+          <a:p>
+            <a:pPr algn="ctr"/>
+            <a:r>
+              <a:rPr lang="en-US" dirty="0" smtClean="0">
+                <a:solidFill>
+                  <a:schemeClr val="tx1"/>
+                </a:solidFill>
+              </a:rPr>
+              <a:t>Value has rocketed by 12%</a:t>
+            </a:r>
+            <a:endParaRPr lang="en-US" dirty="0">
+              <a:solidFill>
+                <a:schemeClr val="tx1"/>
+              </a:solidFill>
+            </a:endParaRPr>
+          </a:p>
+          <a:p>
+            <a:pPr algn="ctr"/>
+            <a:r>
+              <a:rPr lang="en-US" dirty="0" smtClean="0">
+                <a:solidFill>
+                  <a:schemeClr val="tx1"/>
+                </a:solidFill>
+              </a:rPr>
+              <a:t>Opening</a:t>
+            </a:r>
+            <a:r>
+              <a:rPr lang="en-US" dirty="0" smtClean="0">
+                <a:solidFill>
+                  <a:schemeClr val="tx1"/>
+                </a:solidFill>
+              </a:rPr>
+              <a:t>: 100</a:t>
+            </a:r>
+            <a:endParaRPr lang="en-US" dirty="0" smtClean="0">
+              <a:solidFill>
+                <a:schemeClr val="tx1"/>
+              </a:solidFill>
+            </a:endParaRPr>
+          </a:p>
+          <a:p>
+            <a:pPr algn="ctr"/>
+            <a:r>
+              <a:rPr lang="en-US" dirty="0" smtClean="0">
+                <a:solidFill>
+                  <a:schemeClr val="tx1"/>
+                </a:solidFill>
+              </a:rPr>
+              <a:t>Current: </a:t>
+            </a:r>
+            <a:r>
+              <a:rPr lang="en-US" dirty="0" smtClean="0">
+                <a:solidFill>
+                  <a:schemeClr val="tx1"/>
+                </a:solidFill>
+              </a:rPr>
+              <a:t>112</a:t>
+            </a:r>
+            <a:endParaRPr lang="en-US" dirty="0" smtClean="0">
+              <a:solidFill>
+                <a:schemeClr val="tx1"/>
+              </a:solidFill>
+            </a:endParaRPr>
           </a:p>
           <a:p>
             <a:pPr algn="ctr"/>
@@ -7022,36 +7100,6 @@
               </a:solidFill>
             </a:endParaRPr>
           </a:p>
-          <a:p>
-            <a:pPr algn="ctr"/>
-            <a:r>
-              <a:rPr lang="en-US" dirty="0" smtClean="0">
-                <a:solidFill>
-                  <a:schemeClr val="tx1"/>
-                </a:solidFill>
-              </a:rPr>
-              <a:t>High: 5.12</a:t>
-            </a:r>
-          </a:p>
-          <a:p>
-            <a:pPr algn="ctr"/>
-            <a:r>
-              <a:rPr lang="en-US" dirty="0" smtClean="0">
-                <a:solidFill>
-                  <a:schemeClr val="tx1"/>
-                </a:solidFill>
-              </a:rPr>
-              <a:t>Low: 5.06</a:t>
-            </a:r>
-          </a:p>
-          <a:p>
-            <a:pPr algn="ctr"/>
-            <a:endParaRPr lang="en-US" dirty="0">
-              <a:solidFill>
-                <a:schemeClr val="tx1"/>
-              </a:solidFill>
-            </a:endParaRPr>
-          </a:p>
         </p:txBody>
       </p:sp>
       <p:sp>
@@ -7096,6 +7144,47 @@
           </a:p>
         </p:txBody>
       </p:sp>
+      <p:pic>
+        <p:nvPicPr>
+          <p:cNvPr id="1026" name="Picture 2" descr="C:\Users\jamesoliver\AppData\Local\Microsoft\Windows\Temporary Internet Files\Content.IE5\4TKPZ4RY\MC900017183[1].wmf"/>
+          <p:cNvPicPr>
+            <a:picLocks noChangeAspect="1" noChangeArrowheads="1"/>
+          </p:cNvPicPr>
+          <p:nvPr/>
+        </p:nvPicPr>
+        <p:blipFill>
+          <a:blip r:embed="rId3" cstate="print">
+            <a:extLst>
+              <a:ext uri="{28A0092B-C50C-407E-A947-70E740481C1C}">
+                <a14:useLocalDpi xmlns:a14="http://schemas.microsoft.com/office/drawing/2010/main" val="0"/>
+              </a:ext>
+            </a:extLst>
+          </a:blip>
+          <a:srcRect/>
+          <a:stretch>
+            <a:fillRect/>
+          </a:stretch>
+        </p:blipFill>
+        <p:spPr bwMode="auto">
+          <a:xfrm rot="2752093" flipH="1">
+            <a:off x="2123642" y="2485028"/>
+            <a:ext cx="144188" cy="542566"/>
+          </a:xfrm>
+          <a:prstGeom prst="rect">
+            <a:avLst/>
+          </a:prstGeom>
+          <a:noFill/>
+          <a:extLst>
+            <a:ext uri="{909E8E84-426E-40DD-AFC4-6F175D3DCCD1}">
+              <a14:hiddenFill xmlns:a14="http://schemas.microsoft.com/office/drawing/2010/main">
+                <a:solidFill>
+                  <a:srgbClr val="FFFFFF"/>
+                </a:solidFill>
+              </a14:hiddenFill>
+            </a:ext>
+          </a:extLst>
+        </p:spPr>
+      </p:pic>
     </p:spTree>
     <p:extLst>
       <p:ext uri="{BB962C8B-B14F-4D97-AF65-F5344CB8AC3E}">
